--- a/slides/mlps/templates/singlelay_5.pptx
+++ b/slides/mlps/templates/singlelay_5.pptx
@@ -107,6 +107,11 @@
       </a:defRPr>
     </a:lvl9pPr>
   </p:defaultTextStyle>
+  <p:extLst>
+    <p:ext uri="{EFAFB233-063F-42B5-8137-9DF3F51BA10A}">
+      <p15:sldGuideLst xmlns:p15="http://schemas.microsoft.com/office/powerpoint/2012/main"/>
+    </p:ext>
+  </p:extLst>
 </p:presentation>
 </file>
 
@@ -192,7 +197,7 @@
           <a:p>
             <a:fld id="{24BD4B2C-C158-6948-ADE1-402FC1C7C47E}" type="datetimeFigureOut">
               <a:rPr lang="en-DE" smtClean="0"/>
-              <a:t>17.01.21</a:t>
+              <a:t>05.03.21</a:t>
             </a:fld>
             <a:endParaRPr lang="en-DE"/>
           </a:p>
@@ -718,7 +723,7 @@
           <a:p>
             <a:fld id="{79249F1D-4DC1-2243-AAEC-E59D8629072F}" type="datetimeFigureOut">
               <a:rPr lang="en-DE" smtClean="0"/>
-              <a:t>17.01.21</a:t>
+              <a:t>05.03.21</a:t>
             </a:fld>
             <a:endParaRPr lang="en-DE"/>
           </a:p>
@@ -918,7 +923,7 @@
           <a:p>
             <a:fld id="{79249F1D-4DC1-2243-AAEC-E59D8629072F}" type="datetimeFigureOut">
               <a:rPr lang="en-DE" smtClean="0"/>
-              <a:t>17.01.21</a:t>
+              <a:t>05.03.21</a:t>
             </a:fld>
             <a:endParaRPr lang="en-DE"/>
           </a:p>
@@ -1128,7 +1133,7 @@
           <a:p>
             <a:fld id="{79249F1D-4DC1-2243-AAEC-E59D8629072F}" type="datetimeFigureOut">
               <a:rPr lang="en-DE" smtClean="0"/>
-              <a:t>17.01.21</a:t>
+              <a:t>05.03.21</a:t>
             </a:fld>
             <a:endParaRPr lang="en-DE"/>
           </a:p>
@@ -1687,7 +1692,7 @@
           <a:p>
             <a:fld id="{79249F1D-4DC1-2243-AAEC-E59D8629072F}" type="datetimeFigureOut">
               <a:rPr lang="en-DE" smtClean="0"/>
-              <a:t>17.01.21</a:t>
+              <a:t>05.03.21</a:t>
             </a:fld>
             <a:endParaRPr lang="en-DE"/>
           </a:p>
@@ -1963,7 +1968,7 @@
           <a:p>
             <a:fld id="{79249F1D-4DC1-2243-AAEC-E59D8629072F}" type="datetimeFigureOut">
               <a:rPr lang="en-DE" smtClean="0"/>
-              <a:t>17.01.21</a:t>
+              <a:t>05.03.21</a:t>
             </a:fld>
             <a:endParaRPr lang="en-DE"/>
           </a:p>
@@ -2231,7 +2236,7 @@
           <a:p>
             <a:fld id="{79249F1D-4DC1-2243-AAEC-E59D8629072F}" type="datetimeFigureOut">
               <a:rPr lang="en-DE" smtClean="0"/>
-              <a:t>17.01.21</a:t>
+              <a:t>05.03.21</a:t>
             </a:fld>
             <a:endParaRPr lang="en-DE"/>
           </a:p>
@@ -2646,7 +2651,7 @@
           <a:p>
             <a:fld id="{79249F1D-4DC1-2243-AAEC-E59D8629072F}" type="datetimeFigureOut">
               <a:rPr lang="en-DE" smtClean="0"/>
-              <a:t>17.01.21</a:t>
+              <a:t>05.03.21</a:t>
             </a:fld>
             <a:endParaRPr lang="en-DE"/>
           </a:p>
@@ -2788,7 +2793,7 @@
           <a:p>
             <a:fld id="{79249F1D-4DC1-2243-AAEC-E59D8629072F}" type="datetimeFigureOut">
               <a:rPr lang="en-DE" smtClean="0"/>
-              <a:t>17.01.21</a:t>
+              <a:t>05.03.21</a:t>
             </a:fld>
             <a:endParaRPr lang="en-DE"/>
           </a:p>
@@ -2901,7 +2906,7 @@
           <a:p>
             <a:fld id="{79249F1D-4DC1-2243-AAEC-E59D8629072F}" type="datetimeFigureOut">
               <a:rPr lang="en-DE" smtClean="0"/>
-              <a:t>17.01.21</a:t>
+              <a:t>05.03.21</a:t>
             </a:fld>
             <a:endParaRPr lang="en-DE"/>
           </a:p>
@@ -3214,7 +3219,7 @@
           <a:p>
             <a:fld id="{79249F1D-4DC1-2243-AAEC-E59D8629072F}" type="datetimeFigureOut">
               <a:rPr lang="en-DE" smtClean="0"/>
-              <a:t>17.01.21</a:t>
+              <a:t>05.03.21</a:t>
             </a:fld>
             <a:endParaRPr lang="en-DE"/>
           </a:p>
@@ -3503,7 +3508,7 @@
           <a:p>
             <a:fld id="{79249F1D-4DC1-2243-AAEC-E59D8629072F}" type="datetimeFigureOut">
               <a:rPr lang="en-DE" smtClean="0"/>
-              <a:t>17.01.21</a:t>
+              <a:t>05.03.21</a:t>
             </a:fld>
             <a:endParaRPr lang="en-DE"/>
           </a:p>
@@ -3746,7 +3751,7 @@
           <a:p>
             <a:fld id="{79249F1D-4DC1-2243-AAEC-E59D8629072F}" type="datetimeFigureOut">
               <a:rPr lang="en-DE" smtClean="0"/>
-              <a:t>17.01.21</a:t>
+              <a:t>05.03.21</a:t>
             </a:fld>
             <a:endParaRPr lang="en-DE"/>
           </a:p>
